--- a/map colouring(ppt)-Deeps.pptx
+++ b/map colouring(ppt)-Deeps.pptx
@@ -4345,7 +4345,7 @@
         </p:nvGraphicFramePr>
         <p:xfrm>
           <a:off x="1854200" y="2205222"/>
-          <a:ext cx="8128000" cy="2565400"/>
+          <a:ext cx="8128000" cy="3383280"/>
         </p:xfrm>
         <a:graphic>
           <a:graphicData uri="http://schemas.openxmlformats.org/drawingml/2006/table">
@@ -4789,9 +4789,17 @@
                     <a:bodyPr/>
                     <a:lstStyle/>
                     <a:p>
+                      <a:r>
+                        <a:rPr lang="en-US" smtClean="0">
+                          <a:solidFill>
+                            <a:srgbClr val="0070C0"/>
+                          </a:solidFill>
+                        </a:rPr>
+                        <a:t>https://github.com/deepika-08062007/Map-coloring-AI-mini-project-/blob/main/map%20colouring(ppt)-Deeps.pptx</a:t>
+                      </a:r>
                       <a:endParaRPr lang="en-US" dirty="0">
                         <a:solidFill>
-                          <a:schemeClr val="tx1"/>
+                          <a:srgbClr val="0070C0"/>
                         </a:solidFill>
                       </a:endParaRPr>
                     </a:p>
